--- a/resources/hackathon_master.pptx
+++ b/resources/hackathon_master.pptx
@@ -18,7 +18,7 @@
     <p:sldId id="265" r:id="rId13"/>
   </p:sldIdLst>
   <p:sldSz cx="10080625" cy="5670550"/>
-  <p:notesSz cx="7559675" cy="10691812"/>
+  <p:notesSz cx="7772400" cy="10058400"/>
 </p:presentation>
 </file>
 
@@ -82,11 +82,11 @@
         </p:spPr>
         <p:txBody>
           <a:bodyPr lIns="0" rIns="0" tIns="0" bIns="0" anchor="ctr">
-            <a:spAutoFit/>
+            <a:noAutofit/>
           </a:bodyPr>
           <a:p>
             <a:pPr algn="ctr"/>
-            <a:endParaRPr b="0" lang="en-US" sz="4400" spc="-1" strike="noStrike">
+            <a:endParaRPr b="0" lang="en" sz="4400" spc="-1" strike="noStrike">
               <a:latin typeface="Arial"/>
             </a:endParaRPr>
           </a:p>
@@ -116,7 +116,7 @@
             <a:normAutofit/>
           </a:bodyPr>
           <a:p>
-            <a:endParaRPr b="0" lang="en-US" sz="3200" spc="-1" strike="noStrike">
+            <a:endParaRPr b="0" lang="en" sz="3200" spc="-1" strike="noStrike">
               <a:latin typeface="Arial"/>
             </a:endParaRPr>
           </a:p>
@@ -146,7 +146,7 @@
             <a:normAutofit/>
           </a:bodyPr>
           <a:p>
-            <a:endParaRPr b="0" lang="en-US" sz="3200" spc="-1" strike="noStrike">
+            <a:endParaRPr b="0" lang="en" sz="3200" spc="-1" strike="noStrike">
               <a:latin typeface="Arial"/>
             </a:endParaRPr>
           </a:p>
@@ -195,11 +195,11 @@
         </p:spPr>
         <p:txBody>
           <a:bodyPr lIns="0" rIns="0" tIns="0" bIns="0" anchor="ctr">
-            <a:spAutoFit/>
+            <a:noAutofit/>
           </a:bodyPr>
           <a:p>
             <a:pPr algn="ctr"/>
-            <a:endParaRPr b="0" lang="en-US" sz="4400" spc="-1" strike="noStrike">
+            <a:endParaRPr b="0" lang="en" sz="4400" spc="-1" strike="noStrike">
               <a:latin typeface="Arial"/>
             </a:endParaRPr>
           </a:p>
@@ -229,7 +229,7 @@
             <a:normAutofit/>
           </a:bodyPr>
           <a:p>
-            <a:endParaRPr b="0" lang="en-US" sz="3200" spc="-1" strike="noStrike">
+            <a:endParaRPr b="0" lang="en" sz="3200" spc="-1" strike="noStrike">
               <a:latin typeface="Arial"/>
             </a:endParaRPr>
           </a:p>
@@ -259,7 +259,7 @@
             <a:normAutofit/>
           </a:bodyPr>
           <a:p>
-            <a:endParaRPr b="0" lang="en-US" sz="3200" spc="-1" strike="noStrike">
+            <a:endParaRPr b="0" lang="en" sz="3200" spc="-1" strike="noStrike">
               <a:latin typeface="Arial"/>
             </a:endParaRPr>
           </a:p>
@@ -289,7 +289,7 @@
             <a:normAutofit/>
           </a:bodyPr>
           <a:p>
-            <a:endParaRPr b="0" lang="en-US" sz="3200" spc="-1" strike="noStrike">
+            <a:endParaRPr b="0" lang="en" sz="3200" spc="-1" strike="noStrike">
               <a:latin typeface="Arial"/>
             </a:endParaRPr>
           </a:p>
@@ -319,7 +319,7 @@
             <a:normAutofit/>
           </a:bodyPr>
           <a:p>
-            <a:endParaRPr b="0" lang="en-US" sz="3200" spc="-1" strike="noStrike">
+            <a:endParaRPr b="0" lang="en" sz="3200" spc="-1" strike="noStrike">
               <a:latin typeface="Arial"/>
             </a:endParaRPr>
           </a:p>
@@ -368,11 +368,11 @@
         </p:spPr>
         <p:txBody>
           <a:bodyPr lIns="0" rIns="0" tIns="0" bIns="0" anchor="ctr">
-            <a:spAutoFit/>
+            <a:noAutofit/>
           </a:bodyPr>
           <a:p>
             <a:pPr algn="ctr"/>
-            <a:endParaRPr b="0" lang="en-US" sz="4400" spc="-1" strike="noStrike">
+            <a:endParaRPr b="0" lang="en" sz="4400" spc="-1" strike="noStrike">
               <a:latin typeface="Arial"/>
             </a:endParaRPr>
           </a:p>
@@ -402,7 +402,7 @@
             <a:normAutofit/>
           </a:bodyPr>
           <a:p>
-            <a:endParaRPr b="0" lang="en-US" sz="3200" spc="-1" strike="noStrike">
+            <a:endParaRPr b="0" lang="en" sz="3200" spc="-1" strike="noStrike">
               <a:latin typeface="Arial"/>
             </a:endParaRPr>
           </a:p>
@@ -432,7 +432,7 @@
             <a:normAutofit/>
           </a:bodyPr>
           <a:p>
-            <a:endParaRPr b="0" lang="en-US" sz="3200" spc="-1" strike="noStrike">
+            <a:endParaRPr b="0" lang="en" sz="3200" spc="-1" strike="noStrike">
               <a:latin typeface="Arial"/>
             </a:endParaRPr>
           </a:p>
@@ -462,7 +462,7 @@
             <a:normAutofit/>
           </a:bodyPr>
           <a:p>
-            <a:endParaRPr b="0" lang="en-US" sz="3200" spc="-1" strike="noStrike">
+            <a:endParaRPr b="0" lang="en" sz="3200" spc="-1" strike="noStrike">
               <a:latin typeface="Arial"/>
             </a:endParaRPr>
           </a:p>
@@ -492,7 +492,7 @@
             <a:normAutofit/>
           </a:bodyPr>
           <a:p>
-            <a:endParaRPr b="0" lang="en-US" sz="3200" spc="-1" strike="noStrike">
+            <a:endParaRPr b="0" lang="en" sz="3200" spc="-1" strike="noStrike">
               <a:latin typeface="Arial"/>
             </a:endParaRPr>
           </a:p>
@@ -522,7 +522,7 @@
             <a:normAutofit/>
           </a:bodyPr>
           <a:p>
-            <a:endParaRPr b="0" lang="en-US" sz="3200" spc="-1" strike="noStrike">
+            <a:endParaRPr b="0" lang="en" sz="3200" spc="-1" strike="noStrike">
               <a:latin typeface="Arial"/>
             </a:endParaRPr>
           </a:p>
@@ -552,7 +552,7 @@
             <a:normAutofit/>
           </a:bodyPr>
           <a:p>
-            <a:endParaRPr b="0" lang="en-US" sz="3200" spc="-1" strike="noStrike">
+            <a:endParaRPr b="0" lang="en" sz="3200" spc="-1" strike="noStrike">
               <a:latin typeface="Arial"/>
             </a:endParaRPr>
           </a:p>
@@ -623,11 +623,11 @@
         </p:spPr>
         <p:txBody>
           <a:bodyPr lIns="0" rIns="0" tIns="0" bIns="0" anchor="ctr">
-            <a:spAutoFit/>
+            <a:noAutofit/>
           </a:bodyPr>
           <a:p>
             <a:pPr algn="ctr"/>
-            <a:endParaRPr b="0" lang="en-US" sz="4400" spc="-1" strike="noStrike">
+            <a:endParaRPr b="0" lang="en" sz="4400" spc="-1" strike="noStrike">
               <a:latin typeface="Arial"/>
             </a:endParaRPr>
           </a:p>
@@ -654,11 +654,11 @@
         </p:spPr>
         <p:txBody>
           <a:bodyPr lIns="0" rIns="0" tIns="0" bIns="0" anchor="ctr">
-            <a:spAutoFit/>
+            <a:noAutofit/>
           </a:bodyPr>
           <a:p>
             <a:pPr algn="ctr"/>
-            <a:endParaRPr b="0" lang="en-US" sz="3200" spc="-1" strike="noStrike">
+            <a:endParaRPr b="0" lang="en" sz="3200" spc="-1" strike="noStrike">
               <a:latin typeface="Arial"/>
             </a:endParaRPr>
           </a:p>
@@ -707,11 +707,11 @@
         </p:spPr>
         <p:txBody>
           <a:bodyPr lIns="0" rIns="0" tIns="0" bIns="0" anchor="ctr">
-            <a:spAutoFit/>
+            <a:noAutofit/>
           </a:bodyPr>
           <a:p>
             <a:pPr algn="ctr"/>
-            <a:endParaRPr b="0" lang="en-US" sz="4400" spc="-1" strike="noStrike">
+            <a:endParaRPr b="0" lang="en" sz="4400" spc="-1" strike="noStrike">
               <a:latin typeface="Arial"/>
             </a:endParaRPr>
           </a:p>
@@ -741,7 +741,7 @@
             <a:normAutofit/>
           </a:bodyPr>
           <a:p>
-            <a:endParaRPr b="0" lang="en-US" sz="3200" spc="-1" strike="noStrike">
+            <a:endParaRPr b="0" lang="en" sz="3200" spc="-1" strike="noStrike">
               <a:latin typeface="Arial"/>
             </a:endParaRPr>
           </a:p>
@@ -790,11 +790,11 @@
         </p:spPr>
         <p:txBody>
           <a:bodyPr lIns="0" rIns="0" tIns="0" bIns="0" anchor="ctr">
-            <a:spAutoFit/>
+            <a:noAutofit/>
           </a:bodyPr>
           <a:p>
             <a:pPr algn="ctr"/>
-            <a:endParaRPr b="0" lang="en-US" sz="4400" spc="-1" strike="noStrike">
+            <a:endParaRPr b="0" lang="en" sz="4400" spc="-1" strike="noStrike">
               <a:latin typeface="Arial"/>
             </a:endParaRPr>
           </a:p>
@@ -824,7 +824,7 @@
             <a:normAutofit/>
           </a:bodyPr>
           <a:p>
-            <a:endParaRPr b="0" lang="en-US" sz="3200" spc="-1" strike="noStrike">
+            <a:endParaRPr b="0" lang="en" sz="3200" spc="-1" strike="noStrike">
               <a:latin typeface="Arial"/>
             </a:endParaRPr>
           </a:p>
@@ -854,7 +854,7 @@
             <a:normAutofit/>
           </a:bodyPr>
           <a:p>
-            <a:endParaRPr b="0" lang="en-US" sz="3200" spc="-1" strike="noStrike">
+            <a:endParaRPr b="0" lang="en" sz="3200" spc="-1" strike="noStrike">
               <a:latin typeface="Arial"/>
             </a:endParaRPr>
           </a:p>
@@ -903,11 +903,11 @@
         </p:spPr>
         <p:txBody>
           <a:bodyPr lIns="0" rIns="0" tIns="0" bIns="0" anchor="ctr">
-            <a:spAutoFit/>
+            <a:noAutofit/>
           </a:bodyPr>
           <a:p>
             <a:pPr algn="ctr"/>
-            <a:endParaRPr b="0" lang="en-US" sz="4400" spc="-1" strike="noStrike">
+            <a:endParaRPr b="0" lang="en" sz="4400" spc="-1" strike="noStrike">
               <a:latin typeface="Arial"/>
             </a:endParaRPr>
           </a:p>
@@ -956,11 +956,11 @@
         </p:spPr>
         <p:txBody>
           <a:bodyPr lIns="0" rIns="0" tIns="0" bIns="0" anchor="ctr">
-            <a:spAutoFit/>
+            <a:noAutofit/>
           </a:bodyPr>
           <a:p>
             <a:pPr algn="ctr"/>
-            <a:endParaRPr b="0" lang="en-US" sz="3200" spc="-1" strike="noStrike">
+            <a:endParaRPr b="0" lang="en" sz="3200" spc="-1" strike="noStrike">
               <a:latin typeface="Arial"/>
             </a:endParaRPr>
           </a:p>
@@ -1009,11 +1009,11 @@
         </p:spPr>
         <p:txBody>
           <a:bodyPr lIns="0" rIns="0" tIns="0" bIns="0" anchor="ctr">
-            <a:spAutoFit/>
+            <a:noAutofit/>
           </a:bodyPr>
           <a:p>
             <a:pPr algn="ctr"/>
-            <a:endParaRPr b="0" lang="en-US" sz="4400" spc="-1" strike="noStrike">
+            <a:endParaRPr b="0" lang="en" sz="4400" spc="-1" strike="noStrike">
               <a:latin typeface="Arial"/>
             </a:endParaRPr>
           </a:p>
@@ -1043,7 +1043,7 @@
             <a:normAutofit/>
           </a:bodyPr>
           <a:p>
-            <a:endParaRPr b="0" lang="en-US" sz="3200" spc="-1" strike="noStrike">
+            <a:endParaRPr b="0" lang="en" sz="3200" spc="-1" strike="noStrike">
               <a:latin typeface="Arial"/>
             </a:endParaRPr>
           </a:p>
@@ -1073,7 +1073,7 @@
             <a:normAutofit/>
           </a:bodyPr>
           <a:p>
-            <a:endParaRPr b="0" lang="en-US" sz="3200" spc="-1" strike="noStrike">
+            <a:endParaRPr b="0" lang="en" sz="3200" spc="-1" strike="noStrike">
               <a:latin typeface="Arial"/>
             </a:endParaRPr>
           </a:p>
@@ -1103,7 +1103,7 @@
             <a:normAutofit/>
           </a:bodyPr>
           <a:p>
-            <a:endParaRPr b="0" lang="en-US" sz="3200" spc="-1" strike="noStrike">
+            <a:endParaRPr b="0" lang="en" sz="3200" spc="-1" strike="noStrike">
               <a:latin typeface="Arial"/>
             </a:endParaRPr>
           </a:p>
@@ -1152,11 +1152,11 @@
         </p:spPr>
         <p:txBody>
           <a:bodyPr lIns="0" rIns="0" tIns="0" bIns="0" anchor="ctr">
-            <a:spAutoFit/>
+            <a:noAutofit/>
           </a:bodyPr>
           <a:p>
             <a:pPr algn="ctr"/>
-            <a:endParaRPr b="0" lang="en-US" sz="4400" spc="-1" strike="noStrike">
+            <a:endParaRPr b="0" lang="en" sz="4400" spc="-1" strike="noStrike">
               <a:latin typeface="Arial"/>
             </a:endParaRPr>
           </a:p>
@@ -1183,11 +1183,11 @@
         </p:spPr>
         <p:txBody>
           <a:bodyPr lIns="0" rIns="0" tIns="0" bIns="0" anchor="ctr">
-            <a:spAutoFit/>
+            <a:noAutofit/>
           </a:bodyPr>
           <a:p>
             <a:pPr algn="ctr"/>
-            <a:endParaRPr b="0" lang="en-US" sz="3200" spc="-1" strike="noStrike">
+            <a:endParaRPr b="0" lang="en" sz="3200" spc="-1" strike="noStrike">
               <a:latin typeface="Arial"/>
             </a:endParaRPr>
           </a:p>
@@ -1236,11 +1236,11 @@
         </p:spPr>
         <p:txBody>
           <a:bodyPr lIns="0" rIns="0" tIns="0" bIns="0" anchor="ctr">
-            <a:spAutoFit/>
+            <a:noAutofit/>
           </a:bodyPr>
           <a:p>
             <a:pPr algn="ctr"/>
-            <a:endParaRPr b="0" lang="en-US" sz="4400" spc="-1" strike="noStrike">
+            <a:endParaRPr b="0" lang="en" sz="4400" spc="-1" strike="noStrike">
               <a:latin typeface="Arial"/>
             </a:endParaRPr>
           </a:p>
@@ -1270,7 +1270,7 @@
             <a:normAutofit/>
           </a:bodyPr>
           <a:p>
-            <a:endParaRPr b="0" lang="en-US" sz="3200" spc="-1" strike="noStrike">
+            <a:endParaRPr b="0" lang="en" sz="3200" spc="-1" strike="noStrike">
               <a:latin typeface="Arial"/>
             </a:endParaRPr>
           </a:p>
@@ -1300,7 +1300,7 @@
             <a:normAutofit/>
           </a:bodyPr>
           <a:p>
-            <a:endParaRPr b="0" lang="en-US" sz="3200" spc="-1" strike="noStrike">
+            <a:endParaRPr b="0" lang="en" sz="3200" spc="-1" strike="noStrike">
               <a:latin typeface="Arial"/>
             </a:endParaRPr>
           </a:p>
@@ -1330,7 +1330,7 @@
             <a:normAutofit/>
           </a:bodyPr>
           <a:p>
-            <a:endParaRPr b="0" lang="en-US" sz="3200" spc="-1" strike="noStrike">
+            <a:endParaRPr b="0" lang="en" sz="3200" spc="-1" strike="noStrike">
               <a:latin typeface="Arial"/>
             </a:endParaRPr>
           </a:p>
@@ -1379,11 +1379,11 @@
         </p:spPr>
         <p:txBody>
           <a:bodyPr lIns="0" rIns="0" tIns="0" bIns="0" anchor="ctr">
-            <a:spAutoFit/>
+            <a:noAutofit/>
           </a:bodyPr>
           <a:p>
             <a:pPr algn="ctr"/>
-            <a:endParaRPr b="0" lang="en-US" sz="4400" spc="-1" strike="noStrike">
+            <a:endParaRPr b="0" lang="en" sz="4400" spc="-1" strike="noStrike">
               <a:latin typeface="Arial"/>
             </a:endParaRPr>
           </a:p>
@@ -1413,7 +1413,7 @@
             <a:normAutofit/>
           </a:bodyPr>
           <a:p>
-            <a:endParaRPr b="0" lang="en-US" sz="3200" spc="-1" strike="noStrike">
+            <a:endParaRPr b="0" lang="en" sz="3200" spc="-1" strike="noStrike">
               <a:latin typeface="Arial"/>
             </a:endParaRPr>
           </a:p>
@@ -1443,7 +1443,7 @@
             <a:normAutofit/>
           </a:bodyPr>
           <a:p>
-            <a:endParaRPr b="0" lang="en-US" sz="3200" spc="-1" strike="noStrike">
+            <a:endParaRPr b="0" lang="en" sz="3200" spc="-1" strike="noStrike">
               <a:latin typeface="Arial"/>
             </a:endParaRPr>
           </a:p>
@@ -1473,7 +1473,7 @@
             <a:normAutofit/>
           </a:bodyPr>
           <a:p>
-            <a:endParaRPr b="0" lang="en-US" sz="3200" spc="-1" strike="noStrike">
+            <a:endParaRPr b="0" lang="en" sz="3200" spc="-1" strike="noStrike">
               <a:latin typeface="Arial"/>
             </a:endParaRPr>
           </a:p>
@@ -1522,11 +1522,11 @@
         </p:spPr>
         <p:txBody>
           <a:bodyPr lIns="0" rIns="0" tIns="0" bIns="0" anchor="ctr">
-            <a:spAutoFit/>
+            <a:noAutofit/>
           </a:bodyPr>
           <a:p>
             <a:pPr algn="ctr"/>
-            <a:endParaRPr b="0" lang="en-US" sz="4400" spc="-1" strike="noStrike">
+            <a:endParaRPr b="0" lang="en" sz="4400" spc="-1" strike="noStrike">
               <a:latin typeface="Arial"/>
             </a:endParaRPr>
           </a:p>
@@ -1556,7 +1556,7 @@
             <a:normAutofit/>
           </a:bodyPr>
           <a:p>
-            <a:endParaRPr b="0" lang="en-US" sz="3200" spc="-1" strike="noStrike">
+            <a:endParaRPr b="0" lang="en" sz="3200" spc="-1" strike="noStrike">
               <a:latin typeface="Arial"/>
             </a:endParaRPr>
           </a:p>
@@ -1586,7 +1586,7 @@
             <a:normAutofit/>
           </a:bodyPr>
           <a:p>
-            <a:endParaRPr b="0" lang="en-US" sz="3200" spc="-1" strike="noStrike">
+            <a:endParaRPr b="0" lang="en" sz="3200" spc="-1" strike="noStrike">
               <a:latin typeface="Arial"/>
             </a:endParaRPr>
           </a:p>
@@ -1635,11 +1635,11 @@
         </p:spPr>
         <p:txBody>
           <a:bodyPr lIns="0" rIns="0" tIns="0" bIns="0" anchor="ctr">
-            <a:spAutoFit/>
+            <a:noAutofit/>
           </a:bodyPr>
           <a:p>
             <a:pPr algn="ctr"/>
-            <a:endParaRPr b="0" lang="en-US" sz="4400" spc="-1" strike="noStrike">
+            <a:endParaRPr b="0" lang="en" sz="4400" spc="-1" strike="noStrike">
               <a:latin typeface="Arial"/>
             </a:endParaRPr>
           </a:p>
@@ -1669,7 +1669,7 @@
             <a:normAutofit/>
           </a:bodyPr>
           <a:p>
-            <a:endParaRPr b="0" lang="en-US" sz="3200" spc="-1" strike="noStrike">
+            <a:endParaRPr b="0" lang="en" sz="3200" spc="-1" strike="noStrike">
               <a:latin typeface="Arial"/>
             </a:endParaRPr>
           </a:p>
@@ -1699,7 +1699,7 @@
             <a:normAutofit/>
           </a:bodyPr>
           <a:p>
-            <a:endParaRPr b="0" lang="en-US" sz="3200" spc="-1" strike="noStrike">
+            <a:endParaRPr b="0" lang="en" sz="3200" spc="-1" strike="noStrike">
               <a:latin typeface="Arial"/>
             </a:endParaRPr>
           </a:p>
@@ -1729,7 +1729,7 @@
             <a:normAutofit/>
           </a:bodyPr>
           <a:p>
-            <a:endParaRPr b="0" lang="en-US" sz="3200" spc="-1" strike="noStrike">
+            <a:endParaRPr b="0" lang="en" sz="3200" spc="-1" strike="noStrike">
               <a:latin typeface="Arial"/>
             </a:endParaRPr>
           </a:p>
@@ -1759,7 +1759,7 @@
             <a:normAutofit/>
           </a:bodyPr>
           <a:p>
-            <a:endParaRPr b="0" lang="en-US" sz="3200" spc="-1" strike="noStrike">
+            <a:endParaRPr b="0" lang="en" sz="3200" spc="-1" strike="noStrike">
               <a:latin typeface="Arial"/>
             </a:endParaRPr>
           </a:p>
@@ -1808,11 +1808,11 @@
         </p:spPr>
         <p:txBody>
           <a:bodyPr lIns="0" rIns="0" tIns="0" bIns="0" anchor="ctr">
-            <a:spAutoFit/>
+            <a:noAutofit/>
           </a:bodyPr>
           <a:p>
             <a:pPr algn="ctr"/>
-            <a:endParaRPr b="0" lang="en-US" sz="4400" spc="-1" strike="noStrike">
+            <a:endParaRPr b="0" lang="en" sz="4400" spc="-1" strike="noStrike">
               <a:latin typeface="Arial"/>
             </a:endParaRPr>
           </a:p>
@@ -1842,7 +1842,7 @@
             <a:normAutofit/>
           </a:bodyPr>
           <a:p>
-            <a:endParaRPr b="0" lang="en-US" sz="3200" spc="-1" strike="noStrike">
+            <a:endParaRPr b="0" lang="en" sz="3200" spc="-1" strike="noStrike">
               <a:latin typeface="Arial"/>
             </a:endParaRPr>
           </a:p>
@@ -1872,7 +1872,7 @@
             <a:normAutofit/>
           </a:bodyPr>
           <a:p>
-            <a:endParaRPr b="0" lang="en-US" sz="3200" spc="-1" strike="noStrike">
+            <a:endParaRPr b="0" lang="en" sz="3200" spc="-1" strike="noStrike">
               <a:latin typeface="Arial"/>
             </a:endParaRPr>
           </a:p>
@@ -1902,7 +1902,7 @@
             <a:normAutofit/>
           </a:bodyPr>
           <a:p>
-            <a:endParaRPr b="0" lang="en-US" sz="3200" spc="-1" strike="noStrike">
+            <a:endParaRPr b="0" lang="en" sz="3200" spc="-1" strike="noStrike">
               <a:latin typeface="Arial"/>
             </a:endParaRPr>
           </a:p>
@@ -1932,7 +1932,7 @@
             <a:normAutofit/>
           </a:bodyPr>
           <a:p>
-            <a:endParaRPr b="0" lang="en-US" sz="3200" spc="-1" strike="noStrike">
+            <a:endParaRPr b="0" lang="en" sz="3200" spc="-1" strike="noStrike">
               <a:latin typeface="Arial"/>
             </a:endParaRPr>
           </a:p>
@@ -1962,7 +1962,7 @@
             <a:normAutofit/>
           </a:bodyPr>
           <a:p>
-            <a:endParaRPr b="0" lang="en-US" sz="3200" spc="-1" strike="noStrike">
+            <a:endParaRPr b="0" lang="en" sz="3200" spc="-1" strike="noStrike">
               <a:latin typeface="Arial"/>
             </a:endParaRPr>
           </a:p>
@@ -1992,7 +1992,7 @@
             <a:normAutofit/>
           </a:bodyPr>
           <a:p>
-            <a:endParaRPr b="0" lang="en-US" sz="3200" spc="-1" strike="noStrike">
+            <a:endParaRPr b="0" lang="en" sz="3200" spc="-1" strike="noStrike">
               <a:latin typeface="Arial"/>
             </a:endParaRPr>
           </a:p>
@@ -2041,11 +2041,11 @@
         </p:spPr>
         <p:txBody>
           <a:bodyPr lIns="0" rIns="0" tIns="0" bIns="0" anchor="ctr">
-            <a:spAutoFit/>
+            <a:noAutofit/>
           </a:bodyPr>
           <a:p>
             <a:pPr algn="ctr"/>
-            <a:endParaRPr b="0" lang="en-US" sz="4400" spc="-1" strike="noStrike">
+            <a:endParaRPr b="0" lang="en" sz="4400" spc="-1" strike="noStrike">
               <a:latin typeface="Arial"/>
             </a:endParaRPr>
           </a:p>
@@ -2075,7 +2075,7 @@
             <a:normAutofit/>
           </a:bodyPr>
           <a:p>
-            <a:endParaRPr b="0" lang="en-US" sz="3200" spc="-1" strike="noStrike">
+            <a:endParaRPr b="0" lang="en" sz="3200" spc="-1" strike="noStrike">
               <a:latin typeface="Arial"/>
             </a:endParaRPr>
           </a:p>
@@ -2124,11 +2124,11 @@
         </p:spPr>
         <p:txBody>
           <a:bodyPr lIns="0" rIns="0" tIns="0" bIns="0" anchor="ctr">
-            <a:spAutoFit/>
+            <a:noAutofit/>
           </a:bodyPr>
           <a:p>
             <a:pPr algn="ctr"/>
-            <a:endParaRPr b="0" lang="en-US" sz="4400" spc="-1" strike="noStrike">
+            <a:endParaRPr b="0" lang="en" sz="4400" spc="-1" strike="noStrike">
               <a:latin typeface="Arial"/>
             </a:endParaRPr>
           </a:p>
@@ -2158,7 +2158,7 @@
             <a:normAutofit/>
           </a:bodyPr>
           <a:p>
-            <a:endParaRPr b="0" lang="en-US" sz="3200" spc="-1" strike="noStrike">
+            <a:endParaRPr b="0" lang="en" sz="3200" spc="-1" strike="noStrike">
               <a:latin typeface="Arial"/>
             </a:endParaRPr>
           </a:p>
@@ -2188,7 +2188,7 @@
             <a:normAutofit/>
           </a:bodyPr>
           <a:p>
-            <a:endParaRPr b="0" lang="en-US" sz="3200" spc="-1" strike="noStrike">
+            <a:endParaRPr b="0" lang="en" sz="3200" spc="-1" strike="noStrike">
               <a:latin typeface="Arial"/>
             </a:endParaRPr>
           </a:p>
@@ -2237,11 +2237,11 @@
         </p:spPr>
         <p:txBody>
           <a:bodyPr lIns="0" rIns="0" tIns="0" bIns="0" anchor="ctr">
-            <a:spAutoFit/>
+            <a:noAutofit/>
           </a:bodyPr>
           <a:p>
             <a:pPr algn="ctr"/>
-            <a:endParaRPr b="0" lang="en-US" sz="4400" spc="-1" strike="noStrike">
+            <a:endParaRPr b="0" lang="en" sz="4400" spc="-1" strike="noStrike">
               <a:latin typeface="Arial"/>
             </a:endParaRPr>
           </a:p>
@@ -2290,11 +2290,11 @@
         </p:spPr>
         <p:txBody>
           <a:bodyPr lIns="0" rIns="0" tIns="0" bIns="0" anchor="ctr">
-            <a:spAutoFit/>
+            <a:noAutofit/>
           </a:bodyPr>
           <a:p>
             <a:pPr algn="ctr"/>
-            <a:endParaRPr b="0" lang="en-US" sz="3200" spc="-1" strike="noStrike">
+            <a:endParaRPr b="0" lang="en" sz="3200" spc="-1" strike="noStrike">
               <a:latin typeface="Arial"/>
             </a:endParaRPr>
           </a:p>
@@ -2343,11 +2343,11 @@
         </p:spPr>
         <p:txBody>
           <a:bodyPr lIns="0" rIns="0" tIns="0" bIns="0" anchor="ctr">
-            <a:spAutoFit/>
+            <a:noAutofit/>
           </a:bodyPr>
           <a:p>
             <a:pPr algn="ctr"/>
-            <a:endParaRPr b="0" lang="en-US" sz="4400" spc="-1" strike="noStrike">
+            <a:endParaRPr b="0" lang="en" sz="4400" spc="-1" strike="noStrike">
               <a:latin typeface="Arial"/>
             </a:endParaRPr>
           </a:p>
@@ -2377,7 +2377,7 @@
             <a:normAutofit/>
           </a:bodyPr>
           <a:p>
-            <a:endParaRPr b="0" lang="en-US" sz="3200" spc="-1" strike="noStrike">
+            <a:endParaRPr b="0" lang="en" sz="3200" spc="-1" strike="noStrike">
               <a:latin typeface="Arial"/>
             </a:endParaRPr>
           </a:p>
@@ -2407,7 +2407,7 @@
             <a:normAutofit/>
           </a:bodyPr>
           <a:p>
-            <a:endParaRPr b="0" lang="en-US" sz="3200" spc="-1" strike="noStrike">
+            <a:endParaRPr b="0" lang="en" sz="3200" spc="-1" strike="noStrike">
               <a:latin typeface="Arial"/>
             </a:endParaRPr>
           </a:p>
@@ -2437,7 +2437,7 @@
             <a:normAutofit/>
           </a:bodyPr>
           <a:p>
-            <a:endParaRPr b="0" lang="en-US" sz="3200" spc="-1" strike="noStrike">
+            <a:endParaRPr b="0" lang="en" sz="3200" spc="-1" strike="noStrike">
               <a:latin typeface="Arial"/>
             </a:endParaRPr>
           </a:p>
@@ -2486,11 +2486,11 @@
         </p:spPr>
         <p:txBody>
           <a:bodyPr lIns="0" rIns="0" tIns="0" bIns="0" anchor="ctr">
-            <a:spAutoFit/>
+            <a:noAutofit/>
           </a:bodyPr>
           <a:p>
             <a:pPr algn="ctr"/>
-            <a:endParaRPr b="0" lang="en-US" sz="4400" spc="-1" strike="noStrike">
+            <a:endParaRPr b="0" lang="en" sz="4400" spc="-1" strike="noStrike">
               <a:latin typeface="Arial"/>
             </a:endParaRPr>
           </a:p>
@@ -2520,7 +2520,7 @@
             <a:normAutofit/>
           </a:bodyPr>
           <a:p>
-            <a:endParaRPr b="0" lang="en-US" sz="3200" spc="-1" strike="noStrike">
+            <a:endParaRPr b="0" lang="en" sz="3200" spc="-1" strike="noStrike">
               <a:latin typeface="Arial"/>
             </a:endParaRPr>
           </a:p>
@@ -2550,7 +2550,7 @@
             <a:normAutofit/>
           </a:bodyPr>
           <a:p>
-            <a:endParaRPr b="0" lang="en-US" sz="3200" spc="-1" strike="noStrike">
+            <a:endParaRPr b="0" lang="en" sz="3200" spc="-1" strike="noStrike">
               <a:latin typeface="Arial"/>
             </a:endParaRPr>
           </a:p>
@@ -2580,7 +2580,7 @@
             <a:normAutofit/>
           </a:bodyPr>
           <a:p>
-            <a:endParaRPr b="0" lang="en-US" sz="3200" spc="-1" strike="noStrike">
+            <a:endParaRPr b="0" lang="en" sz="3200" spc="-1" strike="noStrike">
               <a:latin typeface="Arial"/>
             </a:endParaRPr>
           </a:p>
@@ -2629,11 +2629,11 @@
         </p:spPr>
         <p:txBody>
           <a:bodyPr lIns="0" rIns="0" tIns="0" bIns="0" anchor="ctr">
-            <a:spAutoFit/>
+            <a:noAutofit/>
           </a:bodyPr>
           <a:p>
             <a:pPr algn="ctr"/>
-            <a:endParaRPr b="0" lang="en-US" sz="4400" spc="-1" strike="noStrike">
+            <a:endParaRPr b="0" lang="en" sz="4400" spc="-1" strike="noStrike">
               <a:latin typeface="Arial"/>
             </a:endParaRPr>
           </a:p>
@@ -2663,7 +2663,7 @@
             <a:normAutofit/>
           </a:bodyPr>
           <a:p>
-            <a:endParaRPr b="0" lang="en-US" sz="3200" spc="-1" strike="noStrike">
+            <a:endParaRPr b="0" lang="en" sz="3200" spc="-1" strike="noStrike">
               <a:latin typeface="Arial"/>
             </a:endParaRPr>
           </a:p>
@@ -2693,7 +2693,7 @@
             <a:normAutofit/>
           </a:bodyPr>
           <a:p>
-            <a:endParaRPr b="0" lang="en-US" sz="3200" spc="-1" strike="noStrike">
+            <a:endParaRPr b="0" lang="en" sz="3200" spc="-1" strike="noStrike">
               <a:latin typeface="Arial"/>
             </a:endParaRPr>
           </a:p>
@@ -2723,7 +2723,7 @@
             <a:normAutofit/>
           </a:bodyPr>
           <a:p>
-            <a:endParaRPr b="0" lang="en-US" sz="3200" spc="-1" strike="noStrike">
+            <a:endParaRPr b="0" lang="en" sz="3200" spc="-1" strike="noStrike">
               <a:latin typeface="Arial"/>
             </a:endParaRPr>
           </a:p>
@@ -2784,12 +2784,12 @@
           <a:p>
             <a:pPr algn="ctr"/>
             <a:r>
-              <a:rPr b="0" lang="en-US" sz="4400" spc="-1" strike="noStrike">
+              <a:rPr b="0" lang="en" sz="4400" spc="-1" strike="noStrike">
                 <a:latin typeface="Arial"/>
               </a:rPr>
               <a:t>Click to edit the title text format</a:t>
             </a:r>
-            <a:endParaRPr b="0" lang="en-US" sz="4400" spc="-1" strike="noStrike">
+            <a:endParaRPr b="0" lang="en" sz="4400" spc="-1" strike="noStrike">
               <a:latin typeface="Arial"/>
             </a:endParaRPr>
           </a:p>
@@ -2831,12 +2831,12 @@
               <a:buChar char=""/>
             </a:pPr>
             <a:r>
-              <a:rPr b="0" lang="en-US" sz="3200" spc="-1" strike="noStrike">
+              <a:rPr b="0" lang="en" sz="3200" spc="-1" strike="noStrike">
                 <a:latin typeface="Arial"/>
               </a:rPr>
               <a:t>Click to edit the outline text format</a:t>
             </a:r>
-            <a:endParaRPr b="0" lang="en-US" sz="3200" spc="-1" strike="noStrike">
+            <a:endParaRPr b="0" lang="en" sz="3200" spc="-1" strike="noStrike">
               <a:latin typeface="Arial"/>
             </a:endParaRPr>
           </a:p>
@@ -2853,12 +2853,12 @@
               <a:buChar char=""/>
             </a:pPr>
             <a:r>
-              <a:rPr b="0" lang="en-US" sz="2800" spc="-1" strike="noStrike">
+              <a:rPr b="0" lang="en" sz="2800" spc="-1" strike="noStrike">
                 <a:latin typeface="Arial"/>
               </a:rPr>
               <a:t>Second Outline Level</a:t>
             </a:r>
-            <a:endParaRPr b="0" lang="en-US" sz="2800" spc="-1" strike="noStrike">
+            <a:endParaRPr b="0" lang="en" sz="2800" spc="-1" strike="noStrike">
               <a:latin typeface="Arial"/>
             </a:endParaRPr>
           </a:p>
@@ -2875,12 +2875,12 @@
               <a:buChar char=""/>
             </a:pPr>
             <a:r>
-              <a:rPr b="0" lang="en-US" sz="2400" spc="-1" strike="noStrike">
+              <a:rPr b="0" lang="en" sz="2400" spc="-1" strike="noStrike">
                 <a:latin typeface="Arial"/>
               </a:rPr>
               <a:t>Third Outline Level</a:t>
             </a:r>
-            <a:endParaRPr b="0" lang="en-US" sz="2400" spc="-1" strike="noStrike">
+            <a:endParaRPr b="0" lang="en" sz="2400" spc="-1" strike="noStrike">
               <a:latin typeface="Arial"/>
             </a:endParaRPr>
           </a:p>
@@ -2897,12 +2897,12 @@
               <a:buChar char=""/>
             </a:pPr>
             <a:r>
-              <a:rPr b="0" lang="en-US" sz="2000" spc="-1" strike="noStrike">
+              <a:rPr b="0" lang="en" sz="2000" spc="-1" strike="noStrike">
                 <a:latin typeface="Arial"/>
               </a:rPr>
               <a:t>Fourth Outline Level</a:t>
             </a:r>
-            <a:endParaRPr b="0" lang="en-US" sz="2000" spc="-1" strike="noStrike">
+            <a:endParaRPr b="0" lang="en" sz="2000" spc="-1" strike="noStrike">
               <a:latin typeface="Arial"/>
             </a:endParaRPr>
           </a:p>
@@ -2919,12 +2919,12 @@
               <a:buChar char=""/>
             </a:pPr>
             <a:r>
-              <a:rPr b="0" lang="en-US" sz="2000" spc="-1" strike="noStrike">
+              <a:rPr b="0" lang="en" sz="2000" spc="-1" strike="noStrike">
                 <a:latin typeface="Arial"/>
               </a:rPr>
               <a:t>Fifth Outline Level</a:t>
             </a:r>
-            <a:endParaRPr b="0" lang="en-US" sz="2000" spc="-1" strike="noStrike">
+            <a:endParaRPr b="0" lang="en" sz="2000" spc="-1" strike="noStrike">
               <a:latin typeface="Arial"/>
             </a:endParaRPr>
           </a:p>
@@ -2941,12 +2941,12 @@
               <a:buChar char=""/>
             </a:pPr>
             <a:r>
-              <a:rPr b="0" lang="en-US" sz="2000" spc="-1" strike="noStrike">
+              <a:rPr b="0" lang="en" sz="2000" spc="-1" strike="noStrike">
                 <a:latin typeface="Arial"/>
               </a:rPr>
               <a:t>Sixth Outline Level</a:t>
             </a:r>
-            <a:endParaRPr b="0" lang="en-US" sz="2000" spc="-1" strike="noStrike">
+            <a:endParaRPr b="0" lang="en" sz="2000" spc="-1" strike="noStrike">
               <a:latin typeface="Arial"/>
             </a:endParaRPr>
           </a:p>
@@ -2963,12 +2963,12 @@
               <a:buChar char=""/>
             </a:pPr>
             <a:r>
-              <a:rPr b="0" lang="en-US" sz="2000" spc="-1" strike="noStrike">
+              <a:rPr b="0" lang="en" sz="2000" spc="-1" strike="noStrike">
                 <a:latin typeface="Arial"/>
               </a:rPr>
               <a:t>Seventh Outline Level</a:t>
             </a:r>
-            <a:endParaRPr b="0" lang="en-US" sz="2000" spc="-1" strike="noStrike">
+            <a:endParaRPr b="0" lang="en" sz="2000" spc="-1" strike="noStrike">
               <a:latin typeface="Arial"/>
             </a:endParaRPr>
           </a:p>
@@ -3031,7 +3031,7 @@
         <p:spPr>
           <a:xfrm>
             <a:off x="7633800" y="65880"/>
-            <a:ext cx="2370600" cy="472320"/>
+            <a:ext cx="2370240" cy="471960"/>
           </a:xfrm>
           <a:prstGeom prst="rect">
             <a:avLst/>
@@ -3101,12 +3101,12 @@
           <a:p>
             <a:pPr algn="ctr"/>
             <a:r>
-              <a:rPr b="0" lang="en-US" sz="4400" spc="-1" strike="noStrike">
+              <a:rPr b="0" lang="en" sz="4400" spc="-1" strike="noStrike">
                 <a:latin typeface="Arial"/>
               </a:rPr>
               <a:t>Click to edit the title text format</a:t>
             </a:r>
-            <a:endParaRPr b="0" lang="en-US" sz="4400" spc="-1" strike="noStrike">
+            <a:endParaRPr b="0" lang="en" sz="4400" spc="-1" strike="noStrike">
               <a:latin typeface="Arial"/>
             </a:endParaRPr>
           </a:p>
@@ -3148,12 +3148,12 @@
               <a:buChar char=""/>
             </a:pPr>
             <a:r>
-              <a:rPr b="0" lang="en-US" sz="3200" spc="-1" strike="noStrike">
+              <a:rPr b="0" lang="en" sz="3200" spc="-1" strike="noStrike">
                 <a:latin typeface="Arial"/>
               </a:rPr>
               <a:t>Click to edit the outline text format</a:t>
             </a:r>
-            <a:endParaRPr b="0" lang="en-US" sz="3200" spc="-1" strike="noStrike">
+            <a:endParaRPr b="0" lang="en" sz="3200" spc="-1" strike="noStrike">
               <a:latin typeface="Arial"/>
             </a:endParaRPr>
           </a:p>
@@ -3170,12 +3170,12 @@
               <a:buChar char=""/>
             </a:pPr>
             <a:r>
-              <a:rPr b="0" lang="en-US" sz="2800" spc="-1" strike="noStrike">
+              <a:rPr b="0" lang="en" sz="2800" spc="-1" strike="noStrike">
                 <a:latin typeface="Arial"/>
               </a:rPr>
               <a:t>Second Outline Level</a:t>
             </a:r>
-            <a:endParaRPr b="0" lang="en-US" sz="2800" spc="-1" strike="noStrike">
+            <a:endParaRPr b="0" lang="en" sz="2800" spc="-1" strike="noStrike">
               <a:latin typeface="Arial"/>
             </a:endParaRPr>
           </a:p>
@@ -3192,12 +3192,12 @@
               <a:buChar char=""/>
             </a:pPr>
             <a:r>
-              <a:rPr b="0" lang="en-US" sz="2400" spc="-1" strike="noStrike">
+              <a:rPr b="0" lang="en" sz="2400" spc="-1" strike="noStrike">
                 <a:latin typeface="Arial"/>
               </a:rPr>
               <a:t>Third Outline Level</a:t>
             </a:r>
-            <a:endParaRPr b="0" lang="en-US" sz="2400" spc="-1" strike="noStrike">
+            <a:endParaRPr b="0" lang="en" sz="2400" spc="-1" strike="noStrike">
               <a:latin typeface="Arial"/>
             </a:endParaRPr>
           </a:p>
@@ -3214,12 +3214,12 @@
               <a:buChar char=""/>
             </a:pPr>
             <a:r>
-              <a:rPr b="0" lang="en-US" sz="2000" spc="-1" strike="noStrike">
+              <a:rPr b="0" lang="en" sz="2000" spc="-1" strike="noStrike">
                 <a:latin typeface="Arial"/>
               </a:rPr>
               <a:t>Fourth Outline Level</a:t>
             </a:r>
-            <a:endParaRPr b="0" lang="en-US" sz="2000" spc="-1" strike="noStrike">
+            <a:endParaRPr b="0" lang="en" sz="2000" spc="-1" strike="noStrike">
               <a:latin typeface="Arial"/>
             </a:endParaRPr>
           </a:p>
@@ -3236,12 +3236,12 @@
               <a:buChar char=""/>
             </a:pPr>
             <a:r>
-              <a:rPr b="0" lang="en-US" sz="2000" spc="-1" strike="noStrike">
+              <a:rPr b="0" lang="en" sz="2000" spc="-1" strike="noStrike">
                 <a:latin typeface="Arial"/>
               </a:rPr>
               <a:t>Fifth Outline Level</a:t>
             </a:r>
-            <a:endParaRPr b="0" lang="en-US" sz="2000" spc="-1" strike="noStrike">
+            <a:endParaRPr b="0" lang="en" sz="2000" spc="-1" strike="noStrike">
               <a:latin typeface="Arial"/>
             </a:endParaRPr>
           </a:p>
@@ -3258,12 +3258,12 @@
               <a:buChar char=""/>
             </a:pPr>
             <a:r>
-              <a:rPr b="0" lang="en-US" sz="2000" spc="-1" strike="noStrike">
+              <a:rPr b="0" lang="en" sz="2000" spc="-1" strike="noStrike">
                 <a:latin typeface="Arial"/>
               </a:rPr>
               <a:t>Sixth Outline Level</a:t>
             </a:r>
-            <a:endParaRPr b="0" lang="en-US" sz="2000" spc="-1" strike="noStrike">
+            <a:endParaRPr b="0" lang="en" sz="2000" spc="-1" strike="noStrike">
               <a:latin typeface="Arial"/>
             </a:endParaRPr>
           </a:p>
@@ -3280,12 +3280,12 @@
               <a:buChar char=""/>
             </a:pPr>
             <a:r>
-              <a:rPr b="0" lang="en-US" sz="2000" spc="-1" strike="noStrike">
+              <a:rPr b="0" lang="en" sz="2000" spc="-1" strike="noStrike">
                 <a:latin typeface="Arial"/>
               </a:rPr>
               <a:t>Seventh Outline Level</a:t>
             </a:r>
-            <a:endParaRPr b="0" lang="en-US" sz="2000" spc="-1" strike="noStrike">
+            <a:endParaRPr b="0" lang="en" sz="2000" spc="-1" strike="noStrike">
               <a:latin typeface="Arial"/>
             </a:endParaRPr>
           </a:p>
@@ -3337,7 +3337,7 @@
         <p:spPr>
           <a:xfrm>
             <a:off x="1259640" y="443160"/>
-            <a:ext cx="7558560" cy="1972440"/>
+            <a:ext cx="7558200" cy="1972080"/>
           </a:xfrm>
           <a:prstGeom prst="rect">
             <a:avLst/>
@@ -3364,7 +3364,7 @@
               </a:lnSpc>
             </a:pPr>
             <a:r>
-              <a:rPr b="0" lang="en-US" sz="6000" spc="-1" strike="noStrike">
+              <a:rPr b="0" lang="en" sz="6000" spc="-1" strike="noStrike">
                 <a:solidFill>
                   <a:srgbClr val="000000"/>
                 </a:solidFill>
@@ -3373,7 +3373,7 @@
               </a:rPr>
               <a:t>Project Title</a:t>
             </a:r>
-            <a:endParaRPr b="0" lang="en-US" sz="6000" spc="-1" strike="noStrike">
+            <a:endParaRPr b="0" lang="en" sz="6000" spc="-1" strike="noStrike">
               <a:latin typeface="Arial"/>
             </a:endParaRPr>
           </a:p>
@@ -3388,7 +3388,7 @@
         <p:spPr>
           <a:xfrm>
             <a:off x="1259640" y="2712600"/>
-            <a:ext cx="7558560" cy="948960"/>
+            <a:ext cx="7558200" cy="948600"/>
           </a:xfrm>
           <a:prstGeom prst="rect">
             <a:avLst/>
@@ -3418,7 +3418,7 @@
               </a:spcBef>
             </a:pPr>
             <a:r>
-              <a:rPr b="0" lang="en-US" sz="2400" spc="-1" strike="noStrike">
+              <a:rPr b="0" lang="en" sz="2400" spc="-1" strike="noStrike">
                 <a:solidFill>
                   <a:srgbClr val="000000"/>
                 </a:solidFill>
@@ -3427,7 +3427,7 @@
               </a:rPr>
               <a:t>Name A, Name B,</a:t>
             </a:r>
-            <a:endParaRPr b="0" lang="en-US" sz="2400" spc="-1" strike="noStrike">
+            <a:endParaRPr b="0" lang="en" sz="2400" spc="-1" strike="noStrike">
               <a:latin typeface="Arial"/>
             </a:endParaRPr>
           </a:p>
@@ -3441,7 +3441,7 @@
               </a:spcBef>
             </a:pPr>
             <a:r>
-              <a:rPr b="0" lang="en-US" sz="2400" spc="-1" strike="noStrike">
+              <a:rPr b="0" lang="en" sz="2400" spc="-1" strike="noStrike">
                 <a:solidFill>
                   <a:srgbClr val="000000"/>
                 </a:solidFill>
@@ -3450,7 +3450,7 @@
               </a:rPr>
               <a:t>Name C</a:t>
             </a:r>
-            <a:endParaRPr b="0" lang="en-US" sz="2400" spc="-1" strike="noStrike">
+            <a:endParaRPr b="0" lang="en" sz="2400" spc="-1" strike="noStrike">
               <a:latin typeface="Arial"/>
             </a:endParaRPr>
           </a:p>
@@ -3463,7 +3463,7 @@
                 <a:spcPts val="1001"/>
               </a:spcBef>
             </a:pPr>
-            <a:endParaRPr b="0" lang="en-US" sz="2400" spc="-1" strike="noStrike">
+            <a:endParaRPr b="0" lang="en" sz="2400" spc="-1" strike="noStrike">
               <a:latin typeface="Arial"/>
             </a:endParaRPr>
           </a:p>
@@ -3482,7 +3482,7 @@
         <p:spPr>
           <a:xfrm>
             <a:off x="157680" y="227160"/>
-            <a:ext cx="4416480" cy="880560"/>
+            <a:ext cx="4416120" cy="880200"/>
           </a:xfrm>
           <a:prstGeom prst="rect">
             <a:avLst/>
@@ -3501,7 +3501,7 @@
         <p:spPr>
           <a:xfrm>
             <a:off x="1259640" y="3771720"/>
-            <a:ext cx="7558560" cy="1243080"/>
+            <a:ext cx="7558200" cy="1242720"/>
           </a:xfrm>
           <a:prstGeom prst="rect">
             <a:avLst/>
@@ -3531,7 +3531,7 @@
               </a:spcBef>
             </a:pPr>
             <a:r>
-              <a:rPr b="0" lang="en-US" sz="2400" spc="-1" strike="noStrike">
+              <a:rPr b="0" lang="en" sz="2400" spc="-1" strike="noStrike">
                 <a:solidFill>
                   <a:srgbClr val="000000"/>
                 </a:solidFill>
@@ -3540,7 +3540,7 @@
               </a:rPr>
               <a:t>Sagol School of Neuroscience, </a:t>
             </a:r>
-            <a:endParaRPr b="0" lang="en-US" sz="2400" spc="-1" strike="noStrike">
+            <a:endParaRPr b="0" lang="en" sz="2400" spc="-1" strike="noStrike">
               <a:latin typeface="Arial"/>
             </a:endParaRPr>
           </a:p>
@@ -3554,7 +3554,7 @@
               </a:spcBef>
             </a:pPr>
             <a:r>
-              <a:rPr b="0" lang="en-US" sz="2400" spc="-1" strike="noStrike">
+              <a:rPr b="0" lang="en" sz="2400" spc="-1" strike="noStrike">
                 <a:solidFill>
                   <a:srgbClr val="000000"/>
                 </a:solidFill>
@@ -3563,7 +3563,7 @@
               </a:rPr>
               <a:t>Data Science Hackathon, </a:t>
             </a:r>
-            <a:endParaRPr b="0" lang="en-US" sz="2400" spc="-1" strike="noStrike">
+            <a:endParaRPr b="0" lang="en" sz="2400" spc="-1" strike="noStrike">
               <a:latin typeface="Arial"/>
             </a:endParaRPr>
           </a:p>
@@ -3577,16 +3577,16 @@
               </a:spcBef>
             </a:pPr>
             <a:r>
-              <a:rPr b="0" lang="en-US" sz="2400" spc="-1" strike="noStrike">
+              <a:rPr b="0" lang="en" sz="2400" spc="-1" strike="noStrike">
                 <a:solidFill>
                   <a:srgbClr val="000000"/>
                 </a:solidFill>
                 <a:latin typeface="Candara"/>
                 <a:ea typeface="Cambria"/>
               </a:rPr>
-              <a:t>June 2019</a:t>
+              <a:t>July 2020</a:t>
             </a:r>
-            <a:endParaRPr b="0" lang="en-US" sz="2400" spc="-1" strike="noStrike">
+            <a:endParaRPr b="0" lang="en" sz="2400" spc="-1" strike="noStrike">
               <a:latin typeface="Arial"/>
             </a:endParaRPr>
           </a:p>
@@ -3601,7 +3601,7 @@
         <p:spPr>
           <a:xfrm>
             <a:off x="1259640" y="5124960"/>
-            <a:ext cx="7558560" cy="429480"/>
+            <a:ext cx="7558200" cy="429120"/>
           </a:xfrm>
           <a:prstGeom prst="rect">
             <a:avLst/>
@@ -3631,7 +3631,7 @@
               </a:spcBef>
             </a:pPr>
             <a:r>
-              <a:rPr b="0" lang="en-US" sz="2400" spc="-1" strike="noStrike">
+              <a:rPr b="0" lang="en" sz="2400" spc="-1" strike="noStrike">
                 <a:solidFill>
                   <a:srgbClr val="000000"/>
                 </a:solidFill>
@@ -3640,7 +3640,7 @@
               </a:rPr>
               <a:t>[Link to repository]</a:t>
             </a:r>
-            <a:endParaRPr b="0" lang="en-US" sz="2400" spc="-1" strike="noStrike">
+            <a:endParaRPr b="0" lang="en" sz="2400" spc="-1" strike="noStrike">
               <a:latin typeface="Arial"/>
             </a:endParaRPr>
           </a:p>
@@ -3685,7 +3685,7 @@
         <p:spPr>
           <a:xfrm>
             <a:off x="692640" y="301680"/>
-            <a:ext cx="8692560" cy="1094760"/>
+            <a:ext cx="8692200" cy="1094400"/>
           </a:xfrm>
           <a:prstGeom prst="rect">
             <a:avLst/>
@@ -3712,7 +3712,7 @@
               </a:lnSpc>
             </a:pPr>
             <a:r>
-              <a:rPr b="0" lang="en-US" sz="4400" spc="-1" strike="noStrike">
+              <a:rPr b="0" lang="en" sz="4400" spc="-1" strike="noStrike">
                 <a:solidFill>
                   <a:srgbClr val="000000"/>
                 </a:solidFill>
@@ -3721,7 +3721,7 @@
               </a:rPr>
               <a:t>Concluding Remarks</a:t>
             </a:r>
-            <a:endParaRPr b="0" lang="en-US" sz="4400" spc="-1" strike="noStrike">
+            <a:endParaRPr b="0" lang="en" sz="4400" spc="-1" strike="noStrike">
               <a:latin typeface="Arial"/>
             </a:endParaRPr>
           </a:p>
@@ -3736,7 +3736,7 @@
         <p:spPr>
           <a:xfrm>
             <a:off x="692640" y="1509120"/>
-            <a:ext cx="8692560" cy="3596040"/>
+            <a:ext cx="8692200" cy="3595680"/>
           </a:xfrm>
           <a:prstGeom prst="rect">
             <a:avLst/>
@@ -3757,7 +3757,7 @@
             <a:noAutofit/>
           </a:bodyPr>
           <a:p>
-            <a:pPr marL="228600" indent="-227160">
+            <a:pPr marL="228600" indent="-226800">
               <a:lnSpc>
                 <a:spcPct val="90000"/>
               </a:lnSpc>
@@ -3771,7 +3771,7 @@
               <a:buChar char="•"/>
             </a:pPr>
             <a:r>
-              <a:rPr b="0" lang="en-US" sz="2800" spc="-1" strike="noStrike">
+              <a:rPr b="0" lang="en" sz="2800" spc="-1" strike="noStrike">
                 <a:solidFill>
                   <a:srgbClr val="000000"/>
                 </a:solidFill>
@@ -3780,7 +3780,7 @@
               </a:rPr>
               <a:t>Is the project usable? </a:t>
             </a:r>
-            <a:endParaRPr b="0" lang="en-US" sz="2800" spc="-1" strike="noStrike">
+            <a:endParaRPr b="0" lang="en" sz="2800" spc="-1" strike="noStrike">
               <a:latin typeface="Arial"/>
             </a:endParaRPr>
           </a:p>
@@ -3793,12 +3793,12 @@
                 <a:spcPts val="1001"/>
               </a:spcBef>
             </a:pPr>
-            <a:endParaRPr b="0" lang="en-US" sz="2800" spc="-1" strike="noStrike">
-              <a:latin typeface="Arial"/>
-            </a:endParaRPr>
-          </a:p>
-          <a:p>
-            <a:pPr marL="228600" indent="-227160">
+            <a:endParaRPr b="0" lang="en" sz="2800" spc="-1" strike="noStrike">
+              <a:latin typeface="Arial"/>
+            </a:endParaRPr>
+          </a:p>
+          <a:p>
+            <a:pPr marL="228600" indent="-226800">
               <a:lnSpc>
                 <a:spcPct val="90000"/>
               </a:lnSpc>
@@ -3812,7 +3812,7 @@
               <a:buChar char="•"/>
             </a:pPr>
             <a:r>
-              <a:rPr b="0" lang="en-US" sz="2800" spc="-1" strike="noStrike">
+              <a:rPr b="0" lang="en" sz="2800" spc="-1" strike="noStrike">
                 <a:solidFill>
                   <a:srgbClr val="000000"/>
                 </a:solidFill>
@@ -3821,7 +3821,7 @@
               </a:rPr>
               <a:t>What’s left to do?</a:t>
             </a:r>
-            <a:endParaRPr b="0" lang="en-US" sz="2800" spc="-1" strike="noStrike">
+            <a:endParaRPr b="0" lang="en" sz="2800" spc="-1" strike="noStrike">
               <a:latin typeface="Arial"/>
             </a:endParaRPr>
           </a:p>
@@ -3834,7 +3834,7 @@
                 <a:spcPts val="1001"/>
               </a:spcBef>
             </a:pPr>
-            <a:endParaRPr b="0" lang="en-US" sz="2800" spc="-1" strike="noStrike">
+            <a:endParaRPr b="0" lang="en" sz="2800" spc="-1" strike="noStrike">
               <a:latin typeface="Arial"/>
             </a:endParaRPr>
           </a:p>
@@ -3847,7 +3847,7 @@
                 <a:spcPts val="1001"/>
               </a:spcBef>
             </a:pPr>
-            <a:endParaRPr b="0" lang="en-US" sz="2800" spc="-1" strike="noStrike">
+            <a:endParaRPr b="0" lang="en" sz="2800" spc="-1" strike="noStrike">
               <a:latin typeface="Arial"/>
             </a:endParaRPr>
           </a:p>
@@ -3892,7 +3892,7 @@
         <p:spPr>
           <a:xfrm>
             <a:off x="505800" y="1049760"/>
-            <a:ext cx="8692560" cy="1094760"/>
+            <a:ext cx="8692200" cy="1094400"/>
           </a:xfrm>
           <a:prstGeom prst="rect">
             <a:avLst/>
@@ -3919,7 +3919,7 @@
               </a:lnSpc>
             </a:pPr>
             <a:r>
-              <a:rPr b="0" lang="en-US" sz="4400" spc="-1" strike="noStrike">
+              <a:rPr b="0" lang="en" sz="4400" spc="-1" strike="noStrike">
                 <a:solidFill>
                   <a:srgbClr val="000000"/>
                 </a:solidFill>
@@ -3928,7 +3928,7 @@
               </a:rPr>
               <a:t>Project Goal</a:t>
             </a:r>
-            <a:endParaRPr b="0" lang="en-US" sz="4400" spc="-1" strike="noStrike">
+            <a:endParaRPr b="0" lang="en" sz="4400" spc="-1" strike="noStrike">
               <a:latin typeface="Arial"/>
             </a:endParaRPr>
           </a:p>
@@ -3943,7 +3943,7 @@
         <p:spPr>
           <a:xfrm>
             <a:off x="692640" y="2286360"/>
-            <a:ext cx="8692560" cy="3596040"/>
+            <a:ext cx="8692200" cy="3595680"/>
           </a:xfrm>
           <a:prstGeom prst="rect">
             <a:avLst/>
@@ -3973,7 +3973,7 @@
               </a:spcBef>
             </a:pPr>
             <a:r>
-              <a:rPr b="0" lang="en-US" sz="2800" spc="-1" strike="noStrike">
+              <a:rPr b="0" lang="en" sz="2800" spc="-1" strike="noStrike">
                 <a:solidFill>
                   <a:srgbClr val="000000"/>
                 </a:solidFill>
@@ -3982,7 +3982,7 @@
               </a:rPr>
               <a:t>Create an application that…</a:t>
             </a:r>
-            <a:endParaRPr b="0" lang="en-US" sz="2800" spc="-1" strike="noStrike">
+            <a:endParaRPr b="0" lang="en" sz="2800" spc="-1" strike="noStrike">
               <a:latin typeface="Arial"/>
             </a:endParaRPr>
           </a:p>
@@ -4027,7 +4027,7 @@
         <p:spPr>
           <a:xfrm>
             <a:off x="505800" y="1049760"/>
-            <a:ext cx="8692560" cy="1094760"/>
+            <a:ext cx="8692200" cy="1094400"/>
           </a:xfrm>
           <a:prstGeom prst="rect">
             <a:avLst/>
@@ -4054,7 +4054,7 @@
               </a:lnSpc>
             </a:pPr>
             <a:r>
-              <a:rPr b="0" lang="en-US" sz="4400" spc="-1" strike="noStrike">
+              <a:rPr b="0" lang="en" sz="4400" spc="-1" strike="noStrike">
                 <a:solidFill>
                   <a:srgbClr val="000000"/>
                 </a:solidFill>
@@ -4063,7 +4063,7 @@
               </a:rPr>
               <a:t>Project Demo</a:t>
             </a:r>
-            <a:endParaRPr b="0" lang="en-US" sz="4400" spc="-1" strike="noStrike">
+            <a:endParaRPr b="0" lang="en" sz="4400" spc="-1" strike="noStrike">
               <a:latin typeface="Arial"/>
             </a:endParaRPr>
           </a:p>
@@ -4078,7 +4078,7 @@
         <p:spPr>
           <a:xfrm>
             <a:off x="505800" y="2145960"/>
-            <a:ext cx="8692560" cy="3596040"/>
+            <a:ext cx="8692200" cy="3595680"/>
           </a:xfrm>
           <a:prstGeom prst="rect">
             <a:avLst/>
@@ -4108,7 +4108,7 @@
               </a:spcBef>
             </a:pPr>
             <a:r>
-              <a:rPr b="0" lang="en-US" sz="2800" spc="-1" strike="noStrike">
+              <a:rPr b="0" lang="en" sz="2800" spc="-1" strike="noStrike">
                 <a:solidFill>
                   <a:srgbClr val="000000"/>
                 </a:solidFill>
@@ -4117,7 +4117,7 @@
               </a:rPr>
               <a:t>[If relevant]</a:t>
             </a:r>
-            <a:endParaRPr b="0" lang="en-US" sz="2800" spc="-1" strike="noStrike">
+            <a:endParaRPr b="0" lang="en" sz="2800" spc="-1" strike="noStrike">
               <a:latin typeface="Arial"/>
             </a:endParaRPr>
           </a:p>
@@ -4162,7 +4162,7 @@
         <p:spPr>
           <a:xfrm>
             <a:off x="692640" y="301680"/>
-            <a:ext cx="8692560" cy="1094760"/>
+            <a:ext cx="8692200" cy="1094400"/>
           </a:xfrm>
           <a:prstGeom prst="rect">
             <a:avLst/>
@@ -4189,7 +4189,7 @@
               </a:lnSpc>
             </a:pPr>
             <a:r>
-              <a:rPr b="0" lang="en-US" sz="4400" spc="-1" strike="noStrike">
+              <a:rPr b="0" lang="en" sz="4400" spc="-1" strike="noStrike">
                 <a:solidFill>
                   <a:srgbClr val="000000"/>
                 </a:solidFill>
@@ -4198,7 +4198,7 @@
               </a:rPr>
               <a:t>Major Components</a:t>
             </a:r>
-            <a:endParaRPr b="0" lang="en-US" sz="4400" spc="-1" strike="noStrike">
+            <a:endParaRPr b="0" lang="en" sz="4400" spc="-1" strike="noStrike">
               <a:latin typeface="Arial"/>
             </a:endParaRPr>
           </a:p>
@@ -4213,7 +4213,7 @@
         <p:spPr>
           <a:xfrm>
             <a:off x="692640" y="1509120"/>
-            <a:ext cx="8692560" cy="3596040"/>
+            <a:ext cx="8692200" cy="3595680"/>
           </a:xfrm>
           <a:prstGeom prst="rect">
             <a:avLst/>
@@ -4243,7 +4243,7 @@
               </a:spcBef>
             </a:pPr>
             <a:r>
-              <a:rPr b="0" lang="en-US" sz="2800" spc="-1" strike="noStrike" u="sng">
+              <a:rPr b="0" lang="en" sz="2800" spc="-1" strike="noStrike" u="sng">
                 <a:solidFill>
                   <a:srgbClr val="000000"/>
                 </a:solidFill>
@@ -4254,7 +4254,7 @@
               <a:t>Component 1</a:t>
             </a:r>
             <a:r>
-              <a:rPr b="0" lang="en-US" sz="2800" spc="-1" strike="noStrike">
+              <a:rPr b="0" lang="en" sz="2800" spc="-1" strike="noStrike">
                 <a:solidFill>
                   <a:srgbClr val="000000"/>
                 </a:solidFill>
@@ -4263,7 +4263,7 @@
               </a:rPr>
               <a:t>: Database – [STUDENT IN CHARGE] – The database handles the…</a:t>
             </a:r>
-            <a:endParaRPr b="0" lang="en-US" sz="2800" spc="-1" strike="noStrike">
+            <a:endParaRPr b="0" lang="en" sz="2800" spc="-1" strike="noStrike">
               <a:latin typeface="Arial"/>
             </a:endParaRPr>
           </a:p>
@@ -4276,7 +4276,7 @@
                 <a:spcPts val="1001"/>
               </a:spcBef>
             </a:pPr>
-            <a:endParaRPr b="0" lang="en-US" sz="2800" spc="-1" strike="noStrike">
+            <a:endParaRPr b="0" lang="en" sz="2800" spc="-1" strike="noStrike">
               <a:latin typeface="Arial"/>
             </a:endParaRPr>
           </a:p>
@@ -4290,7 +4290,7 @@
               </a:spcBef>
             </a:pPr>
             <a:r>
-              <a:rPr b="0" lang="en-US" sz="2800" spc="-1" strike="noStrike" u="sng">
+              <a:rPr b="0" lang="en" sz="2800" spc="-1" strike="noStrike" u="sng">
                 <a:solidFill>
                   <a:srgbClr val="000000"/>
                 </a:solidFill>
@@ -4301,7 +4301,7 @@
               <a:t>Component 2</a:t>
             </a:r>
             <a:r>
-              <a:rPr b="0" lang="en-US" sz="2800" spc="-1" strike="noStrike">
+              <a:rPr b="0" lang="en" sz="2800" spc="-1" strike="noStrike">
                 <a:solidFill>
                   <a:srgbClr val="000000"/>
                 </a:solidFill>
@@ -4310,7 +4310,7 @@
               </a:rPr>
               <a:t>: GUI – [STUDENT IN CHARGE] – The GUI allows the user to…</a:t>
             </a:r>
-            <a:endParaRPr b="0" lang="en-US" sz="2800" spc="-1" strike="noStrike">
+            <a:endParaRPr b="0" lang="en" sz="2800" spc="-1" strike="noStrike">
               <a:latin typeface="Arial"/>
             </a:endParaRPr>
           </a:p>
@@ -4323,7 +4323,7 @@
                 <a:spcPts val="1001"/>
               </a:spcBef>
             </a:pPr>
-            <a:endParaRPr b="0" lang="en-US" sz="2800" spc="-1" strike="noStrike">
+            <a:endParaRPr b="0" lang="en" sz="2800" spc="-1" strike="noStrike">
               <a:latin typeface="Arial"/>
             </a:endParaRPr>
           </a:p>
@@ -4336,7 +4336,7 @@
                 <a:spcPts val="1001"/>
               </a:spcBef>
             </a:pPr>
-            <a:endParaRPr b="0" lang="en-US" sz="2800" spc="-1" strike="noStrike">
+            <a:endParaRPr b="0" lang="en" sz="2800" spc="-1" strike="noStrike">
               <a:latin typeface="Arial"/>
             </a:endParaRPr>
           </a:p>
@@ -4349,7 +4349,7 @@
                 <a:spcPts val="1001"/>
               </a:spcBef>
             </a:pPr>
-            <a:endParaRPr b="0" lang="en-US" sz="2800" spc="-1" strike="noStrike">
+            <a:endParaRPr b="0" lang="en" sz="2800" spc="-1" strike="noStrike">
               <a:latin typeface="Arial"/>
             </a:endParaRPr>
           </a:p>
@@ -4362,7 +4362,7 @@
                 <a:spcPts val="1001"/>
               </a:spcBef>
             </a:pPr>
-            <a:endParaRPr b="0" lang="en-US" sz="2800" spc="-1" strike="noStrike">
+            <a:endParaRPr b="0" lang="en" sz="2800" spc="-1" strike="noStrike">
               <a:latin typeface="Arial"/>
             </a:endParaRPr>
           </a:p>
@@ -4407,7 +4407,7 @@
         <p:spPr>
           <a:xfrm>
             <a:off x="692640" y="301680"/>
-            <a:ext cx="8692560" cy="1094760"/>
+            <a:ext cx="8692200" cy="1094400"/>
           </a:xfrm>
           <a:prstGeom prst="rect">
             <a:avLst/>
@@ -4434,7 +4434,7 @@
               </a:lnSpc>
             </a:pPr>
             <a:r>
-              <a:rPr b="0" lang="en-US" sz="4400" spc="-1" strike="noStrike">
+              <a:rPr b="0" lang="en" sz="4400" spc="-1" strike="noStrike">
                 <a:solidFill>
                   <a:srgbClr val="000000"/>
                 </a:solidFill>
@@ -4443,7 +4443,7 @@
               </a:rPr>
               <a:t>Major Components - Flowchart</a:t>
             </a:r>
-            <a:endParaRPr b="0" lang="en-US" sz="4400" spc="-1" strike="noStrike">
+            <a:endParaRPr b="0" lang="en" sz="4400" spc="-1" strike="noStrike">
               <a:latin typeface="Arial"/>
             </a:endParaRPr>
           </a:p>
@@ -4458,7 +4458,7 @@
         <p:spPr>
           <a:xfrm>
             <a:off x="692640" y="1509120"/>
-            <a:ext cx="8692560" cy="3596040"/>
+            <a:ext cx="8692200" cy="3595680"/>
           </a:xfrm>
           <a:prstGeom prst="rect">
             <a:avLst/>
@@ -4487,7 +4487,7 @@
                 <a:spcPts val="1001"/>
               </a:spcBef>
             </a:pPr>
-            <a:endParaRPr b="0" lang="en-US" sz="1800" spc="-1" strike="noStrike">
+            <a:endParaRPr b="0" lang="en" sz="1800" spc="-1" strike="noStrike">
               <a:latin typeface="Arial"/>
             </a:endParaRPr>
           </a:p>
@@ -4500,7 +4500,7 @@
                 <a:spcPts val="1001"/>
               </a:spcBef>
             </a:pPr>
-            <a:endParaRPr b="0" lang="en-US" sz="1800" spc="-1" strike="noStrike">
+            <a:endParaRPr b="0" lang="en" sz="1800" spc="-1" strike="noStrike">
               <a:latin typeface="Arial"/>
             </a:endParaRPr>
           </a:p>
@@ -4513,7 +4513,7 @@
                 <a:spcPts val="1001"/>
               </a:spcBef>
             </a:pPr>
-            <a:endParaRPr b="0" lang="en-US" sz="1800" spc="-1" strike="noStrike">
+            <a:endParaRPr b="0" lang="en" sz="1800" spc="-1" strike="noStrike">
               <a:latin typeface="Arial"/>
             </a:endParaRPr>
           </a:p>
@@ -4526,7 +4526,7 @@
                 <a:spcPts val="1001"/>
               </a:spcBef>
             </a:pPr>
-            <a:endParaRPr b="0" lang="en-US" sz="1800" spc="-1" strike="noStrike">
+            <a:endParaRPr b="0" lang="en" sz="1800" spc="-1" strike="noStrike">
               <a:latin typeface="Arial"/>
             </a:endParaRPr>
           </a:p>
@@ -4539,7 +4539,7 @@
                 <a:spcPts val="1001"/>
               </a:spcBef>
             </a:pPr>
-            <a:endParaRPr b="0" lang="en-US" sz="1800" spc="-1" strike="noStrike">
+            <a:endParaRPr b="0" lang="en" sz="1800" spc="-1" strike="noStrike">
               <a:latin typeface="Arial"/>
             </a:endParaRPr>
           </a:p>
@@ -4554,7 +4554,7 @@
         <p:spPr>
           <a:xfrm>
             <a:off x="1371600" y="2468880"/>
-            <a:ext cx="1737360" cy="1188720"/>
+            <a:ext cx="1737000" cy="1188360"/>
           </a:xfrm>
           <a:prstGeom prst="rect">
             <a:avLst/>
@@ -4579,14 +4579,22 @@
             <a:noAutofit/>
           </a:bodyPr>
           <a:p>
-            <a:pPr algn="ctr"/>
+            <a:pPr algn="ctr">
+              <a:lnSpc>
+                <a:spcPct val="100000"/>
+              </a:lnSpc>
+            </a:pPr>
             <a:r>
-              <a:rPr b="0" lang="en-US" sz="1800" spc="-1" strike="noStrike">
+              <a:rPr b="0" lang="en" sz="1800" spc="-1" strike="noStrike">
+                <a:solidFill>
+                  <a:srgbClr val="000000"/>
+                </a:solidFill>
                 <a:latin typeface="Arial"/>
+                <a:ea typeface="DejaVu Sans"/>
               </a:rPr>
               <a:t>Component 1</a:t>
             </a:r>
-            <a:endParaRPr b="0" lang="en-US" sz="1800" spc="-1" strike="noStrike">
+            <a:endParaRPr b="0" lang="en" sz="1800" spc="-1" strike="noStrike">
               <a:latin typeface="Arial"/>
             </a:endParaRPr>
           </a:p>
@@ -4629,7 +4637,7 @@
         <p:spPr>
           <a:xfrm>
             <a:off x="5120640" y="2468880"/>
-            <a:ext cx="1737360" cy="1188720"/>
+            <a:ext cx="1737000" cy="1188360"/>
           </a:xfrm>
           <a:prstGeom prst="rect">
             <a:avLst/>
@@ -4654,14 +4662,22 @@
             <a:noAutofit/>
           </a:bodyPr>
           <a:p>
-            <a:pPr algn="ctr"/>
+            <a:pPr algn="ctr">
+              <a:lnSpc>
+                <a:spcPct val="100000"/>
+              </a:lnSpc>
+            </a:pPr>
             <a:r>
-              <a:rPr b="0" lang="en-US" sz="1800" spc="-1" strike="noStrike">
+              <a:rPr b="0" lang="en" sz="1800" spc="-1" strike="noStrike">
+                <a:solidFill>
+                  <a:srgbClr val="000000"/>
+                </a:solidFill>
                 <a:latin typeface="Arial"/>
+                <a:ea typeface="DejaVu Sans"/>
               </a:rPr>
               <a:t>Component 2</a:t>
             </a:r>
-            <a:endParaRPr b="0" lang="en-US" sz="1800" spc="-1" strike="noStrike">
+            <a:endParaRPr b="0" lang="en" sz="1800" spc="-1" strike="noStrike">
               <a:latin typeface="Arial"/>
             </a:endParaRPr>
           </a:p>
@@ -4734,7 +4750,7 @@
         <p:spPr>
           <a:xfrm>
             <a:off x="692640" y="301680"/>
-            <a:ext cx="8692560" cy="1094760"/>
+            <a:ext cx="8692200" cy="1094400"/>
           </a:xfrm>
           <a:prstGeom prst="rect">
             <a:avLst/>
@@ -4761,7 +4777,7 @@
               </a:lnSpc>
             </a:pPr>
             <a:r>
-              <a:rPr b="0" lang="en-US" sz="4400" spc="-1" strike="noStrike">
+              <a:rPr b="0" lang="en" sz="4400" spc="-1" strike="noStrike">
                 <a:solidFill>
                   <a:srgbClr val="000000"/>
                 </a:solidFill>
@@ -4770,7 +4786,7 @@
               </a:rPr>
               <a:t>Database Features and Examples</a:t>
             </a:r>
-            <a:endParaRPr b="0" lang="en-US" sz="4400" spc="-1" strike="noStrike">
+            <a:endParaRPr b="0" lang="en" sz="4400" spc="-1" strike="noStrike">
               <a:latin typeface="Arial"/>
             </a:endParaRPr>
           </a:p>
@@ -4785,7 +4801,7 @@
         <p:spPr>
           <a:xfrm>
             <a:off x="692640" y="1509120"/>
-            <a:ext cx="8692560" cy="3596040"/>
+            <a:ext cx="8692200" cy="3595680"/>
           </a:xfrm>
           <a:prstGeom prst="rect">
             <a:avLst/>
@@ -4815,7 +4831,7 @@
               </a:spcBef>
             </a:pPr>
             <a:r>
-              <a:rPr b="0" lang="en-US" sz="2800" spc="-1" strike="noStrike">
+              <a:rPr b="0" lang="en" sz="2800" spc="-1" strike="noStrike">
                 <a:solidFill>
                   <a:srgbClr val="000000"/>
                 </a:solidFill>
@@ -4824,7 +4840,7 @@
               </a:rPr>
               <a:t>The database saves user login data:</a:t>
             </a:r>
-            <a:endParaRPr b="0" lang="en-US" sz="2800" spc="-1" strike="noStrike">
+            <a:endParaRPr b="0" lang="en" sz="2800" spc="-1" strike="noStrike">
               <a:latin typeface="Arial"/>
             </a:endParaRPr>
           </a:p>
@@ -4837,7 +4853,7 @@
                 <a:spcPts val="1001"/>
               </a:spcBef>
             </a:pPr>
-            <a:endParaRPr b="0" lang="en-US" sz="2800" spc="-1" strike="noStrike">
+            <a:endParaRPr b="0" lang="en" sz="2800" spc="-1" strike="noStrike">
               <a:latin typeface="Arial"/>
             </a:endParaRPr>
           </a:p>
@@ -4850,7 +4866,7 @@
                 <a:spcPts val="1001"/>
               </a:spcBef>
             </a:pPr>
-            <a:endParaRPr b="0" lang="en-US" sz="2800" spc="-1" strike="noStrike">
+            <a:endParaRPr b="0" lang="en" sz="2800" spc="-1" strike="noStrike">
               <a:latin typeface="Arial"/>
             </a:endParaRPr>
           </a:p>
@@ -4863,7 +4879,7 @@
                 <a:spcPts val="1001"/>
               </a:spcBef>
             </a:pPr>
-            <a:endParaRPr b="0" lang="en-US" sz="2800" spc="-1" strike="noStrike">
+            <a:endParaRPr b="0" lang="en" sz="2800" spc="-1" strike="noStrike">
               <a:latin typeface="Arial"/>
             </a:endParaRPr>
           </a:p>
@@ -4876,7 +4892,7 @@
                 <a:spcPts val="1001"/>
               </a:spcBef>
             </a:pPr>
-            <a:endParaRPr b="0" lang="en-US" sz="2800" spc="-1" strike="noStrike">
+            <a:endParaRPr b="0" lang="en" sz="2800" spc="-1" strike="noStrike">
               <a:latin typeface="Arial"/>
             </a:endParaRPr>
           </a:p>
@@ -4889,7 +4905,7 @@
                 <a:spcPts val="1001"/>
               </a:spcBef>
             </a:pPr>
-            <a:endParaRPr b="0" lang="en-US" sz="2800" spc="-1" strike="noStrike">
+            <a:endParaRPr b="0" lang="en" sz="2800" spc="-1" strike="noStrike">
               <a:latin typeface="Arial"/>
             </a:endParaRPr>
           </a:p>
@@ -4902,7 +4918,7 @@
                 <a:spcPts val="1001"/>
               </a:spcBef>
             </a:pPr>
-            <a:endParaRPr b="0" lang="en-US" sz="2800" spc="-1" strike="noStrike">
+            <a:endParaRPr b="0" lang="en" sz="2800" spc="-1" strike="noStrike">
               <a:latin typeface="Arial"/>
             </a:endParaRPr>
           </a:p>
@@ -4917,7 +4933,7 @@
         <p:spPr>
           <a:xfrm>
             <a:off x="692640" y="2431440"/>
-            <a:ext cx="8692560" cy="1461240"/>
+            <a:ext cx="8692200" cy="1461240"/>
           </a:xfrm>
           <a:prstGeom prst="rect">
             <a:avLst/>
@@ -4944,7 +4960,7 @@
               </a:lnSpc>
             </a:pPr>
             <a:r>
-              <a:rPr b="0" lang="en-US" sz="1800" spc="-1" strike="noStrike">
+              <a:rPr b="0" lang="en" sz="1800" spc="-1" strike="noStrike">
                 <a:solidFill>
                   <a:srgbClr val="000000"/>
                 </a:solidFill>
@@ -4953,7 +4969,7 @@
               </a:rPr>
               <a:t>@attr.s</a:t>
             </a:r>
-            <a:endParaRPr b="0" lang="en-US" sz="1800" spc="-1" strike="noStrike">
+            <a:endParaRPr b="0" lang="en" sz="1800" spc="-1" strike="noStrike">
               <a:latin typeface="Arial"/>
             </a:endParaRPr>
           </a:p>
@@ -4964,7 +4980,7 @@
               </a:lnSpc>
             </a:pPr>
             <a:r>
-              <a:rPr b="0" lang="en-US" sz="1800" spc="-1" strike="noStrike">
+              <a:rPr b="0" lang="en" sz="1800" spc="-1" strike="noStrike">
                 <a:solidFill>
                   <a:srgbClr val="000000"/>
                 </a:solidFill>
@@ -4973,7 +4989,7 @@
               </a:rPr>
               <a:t>class LoginDb:</a:t>
             </a:r>
-            <a:endParaRPr b="0" lang="en-US" sz="1800" spc="-1" strike="noStrike">
+            <a:endParaRPr b="0" lang="en" sz="1800" spc="-1" strike="noStrike">
               <a:latin typeface="Arial"/>
             </a:endParaRPr>
           </a:p>
@@ -4984,7 +5000,7 @@
               </a:lnSpc>
             </a:pPr>
             <a:r>
-              <a:rPr b="0" lang="en-US" sz="1800" spc="-1" strike="noStrike">
+              <a:rPr b="0" lang="en" sz="1800" spc="-1" strike="noStrike">
                 <a:solidFill>
                   <a:srgbClr val="000000"/>
                 </a:solidFill>
@@ -4994,7 +5010,7 @@
               <a:t>	</a:t>
             </a:r>
             <a:r>
-              <a:rPr b="0" lang="en-US" sz="1800" spc="-1" strike="noStrike">
+              <a:rPr b="0" lang="en" sz="1800" spc="-1" strike="noStrike">
                 <a:solidFill>
                   <a:srgbClr val="000000"/>
                 </a:solidFill>
@@ -5004,7 +5020,7 @@
               <a:t>“”” </a:t>
             </a:r>
             <a:r>
-              <a:rPr b="0" lang="en-US" sz="1800" spc="-1" strike="noStrike">
+              <a:rPr b="0" lang="en" sz="1800" spc="-1" strike="noStrike">
                 <a:solidFill>
                   <a:srgbClr val="000000"/>
                 </a:solidFill>
@@ -5013,7 +5029,7 @@
               </a:rPr>
               <a:t>Saves user logins “””</a:t>
             </a:r>
-            <a:endParaRPr b="0" lang="en-US" sz="1800" spc="-1" strike="noStrike">
+            <a:endParaRPr b="0" lang="en" sz="1800" spc="-1" strike="noStrike">
               <a:latin typeface="Arial"/>
             </a:endParaRPr>
           </a:p>
@@ -5024,7 +5040,7 @@
               </a:lnSpc>
             </a:pPr>
             <a:r>
-              <a:rPr b="0" lang="en-US" sz="1800" spc="-1" strike="noStrike">
+              <a:rPr b="0" lang="en" sz="1800" spc="-1" strike="noStrike">
                 <a:solidFill>
                   <a:srgbClr val="000000"/>
                 </a:solidFill>
@@ -5034,7 +5050,7 @@
               <a:t>	</a:t>
             </a:r>
             <a:r>
-              <a:rPr b="0" lang="en-US" sz="1800" spc="-1" strike="noStrike">
+              <a:rPr b="0" lang="en" sz="1800" spc="-1" strike="noStrike">
                 <a:solidFill>
                   <a:srgbClr val="000000"/>
                 </a:solidFill>
@@ -5043,7 +5059,7 @@
               </a:rPr>
               <a:t>db_conn = attr.ib()</a:t>
             </a:r>
-            <a:endParaRPr b="0" lang="en-US" sz="1800" spc="-1" strike="noStrike">
+            <a:endParaRPr b="0" lang="en" sz="1800" spc="-1" strike="noStrike">
               <a:latin typeface="Arial"/>
             </a:endParaRPr>
           </a:p>
@@ -5054,7 +5070,7 @@
               </a:lnSpc>
             </a:pPr>
             <a:r>
-              <a:rPr b="0" lang="en-US" sz="1800" spc="-1" strike="noStrike">
+              <a:rPr b="0" lang="en" sz="1800" spc="-1" strike="noStrike">
                 <a:solidFill>
                   <a:srgbClr val="000000"/>
                 </a:solidFill>
@@ -5064,7 +5080,7 @@
               <a:t>	</a:t>
             </a:r>
             <a:r>
-              <a:rPr b="0" lang="en-US" sz="1800" spc="-1" strike="noStrike">
+              <a:rPr b="0" lang="en" sz="1800" spc="-1" strike="noStrike">
                 <a:solidFill>
                   <a:srgbClr val="000000"/>
                 </a:solidFill>
@@ -5073,7 +5089,7 @@
               </a:rPr>
               <a:t>…</a:t>
             </a:r>
-            <a:endParaRPr b="0" lang="en-US" sz="1800" spc="-1" strike="noStrike">
+            <a:endParaRPr b="0" lang="en" sz="1800" spc="-1" strike="noStrike">
               <a:latin typeface="Arial"/>
             </a:endParaRPr>
           </a:p>
@@ -5118,7 +5134,7 @@
         <p:spPr>
           <a:xfrm>
             <a:off x="692640" y="301680"/>
-            <a:ext cx="8692560" cy="1094760"/>
+            <a:ext cx="8692200" cy="1094400"/>
           </a:xfrm>
           <a:prstGeom prst="rect">
             <a:avLst/>
@@ -5145,7 +5161,7 @@
               </a:lnSpc>
             </a:pPr>
             <a:r>
-              <a:rPr b="0" lang="en-US" sz="4400" spc="-1" strike="noStrike">
+              <a:rPr b="0" lang="en" sz="4400" spc="-1" strike="noStrike">
                 <a:solidFill>
                   <a:srgbClr val="000000"/>
                 </a:solidFill>
@@ -5154,7 +5170,7 @@
               </a:rPr>
               <a:t>GUI Key Features</a:t>
             </a:r>
-            <a:endParaRPr b="0" lang="en-US" sz="4400" spc="-1" strike="noStrike">
+            <a:endParaRPr b="0" lang="en" sz="4400" spc="-1" strike="noStrike">
               <a:latin typeface="Arial"/>
             </a:endParaRPr>
           </a:p>
@@ -5169,7 +5185,7 @@
         <p:spPr>
           <a:xfrm>
             <a:off x="692640" y="1509120"/>
-            <a:ext cx="8692560" cy="3596040"/>
+            <a:ext cx="8692200" cy="3595680"/>
           </a:xfrm>
           <a:prstGeom prst="rect">
             <a:avLst/>
@@ -5199,7 +5215,7 @@
               </a:spcBef>
             </a:pPr>
             <a:r>
-              <a:rPr b="0" lang="en-US" sz="2800" spc="-1" strike="noStrike">
+              <a:rPr b="0" lang="en" sz="2800" spc="-1" strike="noStrike">
                 <a:solidFill>
                   <a:srgbClr val="000000"/>
                 </a:solidFill>
@@ -5208,7 +5224,7 @@
               </a:rPr>
               <a:t>*** IMAGE OF GUI ***</a:t>
             </a:r>
-            <a:endParaRPr b="0" lang="en-US" sz="2800" spc="-1" strike="noStrike">
+            <a:endParaRPr b="0" lang="en" sz="2800" spc="-1" strike="noStrike">
               <a:latin typeface="Arial"/>
             </a:endParaRPr>
           </a:p>
@@ -5221,7 +5237,7 @@
                 <a:spcPts val="1001"/>
               </a:spcBef>
             </a:pPr>
-            <a:endParaRPr b="0" lang="en-US" sz="2800" spc="-1" strike="noStrike">
+            <a:endParaRPr b="0" lang="en" sz="2800" spc="-1" strike="noStrike">
               <a:latin typeface="Arial"/>
             </a:endParaRPr>
           </a:p>
@@ -5235,7 +5251,7 @@
               </a:spcBef>
             </a:pPr>
             <a:r>
-              <a:rPr b="0" lang="en-US" sz="2800" spc="-1" strike="noStrike">
+              <a:rPr b="0" lang="en" sz="2800" spc="-1" strike="noStrike">
                 <a:solidFill>
                   <a:srgbClr val="000000"/>
                 </a:solidFill>
@@ -5244,7 +5260,7 @@
               </a:rPr>
               <a:t>*** CODE SAMPLE ***</a:t>
             </a:r>
-            <a:endParaRPr b="0" lang="en-US" sz="2800" spc="-1" strike="noStrike">
+            <a:endParaRPr b="0" lang="en" sz="2800" spc="-1" strike="noStrike">
               <a:latin typeface="Arial"/>
             </a:endParaRPr>
           </a:p>
@@ -5289,7 +5305,7 @@
         <p:spPr>
           <a:xfrm>
             <a:off x="692640" y="301680"/>
-            <a:ext cx="8692560" cy="1094760"/>
+            <a:ext cx="8692200" cy="1094400"/>
           </a:xfrm>
           <a:prstGeom prst="rect">
             <a:avLst/>
@@ -5316,7 +5332,7 @@
               </a:lnSpc>
             </a:pPr>
             <a:r>
-              <a:rPr b="0" lang="en-US" sz="4400" spc="-1" strike="noStrike">
+              <a:rPr b="0" lang="en" sz="4400" spc="-1" strike="noStrike">
                 <a:solidFill>
                   <a:srgbClr val="000000"/>
                 </a:solidFill>
@@ -5325,7 +5341,7 @@
               </a:rPr>
               <a:t>Main Challenges and Difficulties</a:t>
             </a:r>
-            <a:endParaRPr b="0" lang="en-US" sz="4400" spc="-1" strike="noStrike">
+            <a:endParaRPr b="0" lang="en" sz="4400" spc="-1" strike="noStrike">
               <a:latin typeface="Arial"/>
             </a:endParaRPr>
           </a:p>
@@ -5340,7 +5356,7 @@
         <p:spPr>
           <a:xfrm>
             <a:off x="692640" y="1509120"/>
-            <a:ext cx="8692560" cy="3596040"/>
+            <a:ext cx="8692200" cy="3595680"/>
           </a:xfrm>
           <a:prstGeom prst="rect">
             <a:avLst/>
@@ -5361,7 +5377,7 @@
             <a:noAutofit/>
           </a:bodyPr>
           <a:p>
-            <a:pPr marL="228600" indent="-227160">
+            <a:pPr marL="228600" indent="-226800">
               <a:lnSpc>
                 <a:spcPct val="90000"/>
               </a:lnSpc>
@@ -5375,7 +5391,7 @@
               <a:buChar char="•"/>
             </a:pPr>
             <a:r>
-              <a:rPr b="0" lang="en-US" sz="2800" spc="-1" strike="noStrike">
+              <a:rPr b="0" lang="en" sz="2800" spc="-1" strike="noStrike">
                 <a:solidFill>
                   <a:srgbClr val="000000"/>
                 </a:solidFill>
@@ -5384,7 +5400,7 @@
               </a:rPr>
               <a:t>Parsing the log file turned out to be a hassle. Finally we found a pip-installable library that…</a:t>
             </a:r>
-            <a:endParaRPr b="0" lang="en-US" sz="2800" spc="-1" strike="noStrike">
+            <a:endParaRPr b="0" lang="en" sz="2800" spc="-1" strike="noStrike">
               <a:latin typeface="Arial"/>
             </a:endParaRPr>
           </a:p>
@@ -5397,7 +5413,7 @@
                 <a:spcPts val="1001"/>
               </a:spcBef>
             </a:pPr>
-            <a:endParaRPr b="0" lang="en-US" sz="2800" spc="-1" strike="noStrike">
+            <a:endParaRPr b="0" lang="en" sz="2800" spc="-1" strike="noStrike">
               <a:latin typeface="Arial"/>
             </a:endParaRPr>
           </a:p>
@@ -5410,7 +5426,7 @@
                 <a:spcPts val="1001"/>
               </a:spcBef>
             </a:pPr>
-            <a:endParaRPr b="0" lang="en-US" sz="2800" spc="-1" strike="noStrike">
+            <a:endParaRPr b="0" lang="en" sz="2800" spc="-1" strike="noStrike">
               <a:latin typeface="Arial"/>
             </a:endParaRPr>
           </a:p>
@@ -5455,7 +5471,7 @@
         <p:spPr>
           <a:xfrm>
             <a:off x="692640" y="301680"/>
-            <a:ext cx="8692560" cy="1094760"/>
+            <a:ext cx="8692200" cy="1094400"/>
           </a:xfrm>
           <a:prstGeom prst="rect">
             <a:avLst/>
@@ -5482,7 +5498,7 @@
               </a:lnSpc>
             </a:pPr>
             <a:r>
-              <a:rPr b="0" lang="en-US" sz="4400" spc="-1" strike="noStrike">
+              <a:rPr b="0" lang="en" sz="4400" spc="-1" strike="noStrike">
                 <a:solidFill>
                   <a:srgbClr val="000000"/>
                 </a:solidFill>
@@ -5491,7 +5507,7 @@
               </a:rPr>
               <a:t>Main Challenges and Difficulties</a:t>
             </a:r>
-            <a:endParaRPr b="0" lang="en-US" sz="4400" spc="-1" strike="noStrike">
+            <a:endParaRPr b="0" lang="en" sz="4400" spc="-1" strike="noStrike">
               <a:latin typeface="Arial"/>
             </a:endParaRPr>
           </a:p>
@@ -5506,7 +5522,7 @@
         <p:spPr>
           <a:xfrm>
             <a:off x="692640" y="1509120"/>
-            <a:ext cx="8692560" cy="3596040"/>
+            <a:ext cx="8692200" cy="3595680"/>
           </a:xfrm>
           <a:prstGeom prst="rect">
             <a:avLst/>
@@ -5527,7 +5543,7 @@
             <a:noAutofit/>
           </a:bodyPr>
           <a:p>
-            <a:pPr marL="228600" indent="-227160">
+            <a:pPr marL="228600" indent="-226800">
               <a:lnSpc>
                 <a:spcPct val="90000"/>
               </a:lnSpc>
@@ -5541,7 +5557,7 @@
               <a:buChar char="•"/>
             </a:pPr>
             <a:r>
-              <a:rPr b="0" lang="en-US" sz="2800" spc="-1" strike="noStrike">
+              <a:rPr b="0" lang="en" sz="2800" spc="-1" strike="noStrike">
                 <a:solidFill>
                   <a:srgbClr val="000000"/>
                 </a:solidFill>
@@ -5550,7 +5566,7 @@
               </a:rPr>
               <a:t>Parsing the log file turned out to be a hassle. Finally we found a pip-installable library that…</a:t>
             </a:r>
-            <a:endParaRPr b="0" lang="en-US" sz="2800" spc="-1" strike="noStrike">
+            <a:endParaRPr b="0" lang="en" sz="2800" spc="-1" strike="noStrike">
               <a:latin typeface="Arial"/>
             </a:endParaRPr>
           </a:p>
@@ -5563,7 +5579,7 @@
                 <a:spcPts val="1001"/>
               </a:spcBef>
             </a:pPr>
-            <a:endParaRPr b="0" lang="en-US" sz="2800" spc="-1" strike="noStrike">
+            <a:endParaRPr b="0" lang="en" sz="2800" spc="-1" strike="noStrike">
               <a:latin typeface="Arial"/>
             </a:endParaRPr>
           </a:p>
@@ -5576,7 +5592,7 @@
                 <a:spcPts val="1001"/>
               </a:spcBef>
             </a:pPr>
-            <a:endParaRPr b="0" lang="en-US" sz="2800" spc="-1" strike="noStrike">
+            <a:endParaRPr b="0" lang="en" sz="2800" spc="-1" strike="noStrike">
               <a:latin typeface="Arial"/>
             </a:endParaRPr>
           </a:p>
@@ -5709,18 +5725,21 @@
             </a:schemeClr>
           </a:solidFill>
           <a:prstDash val="solid"/>
+          <a:miter/>
         </a:ln>
         <a:ln w="25400" cap="flat" cmpd="sng" algn="ctr">
           <a:solidFill>
             <a:schemeClr val="phClr"/>
           </a:solidFill>
           <a:prstDash val="solid"/>
+          <a:miter/>
         </a:ln>
         <a:ln w="38100" cap="flat" cmpd="sng" algn="ctr">
           <a:solidFill>
             <a:schemeClr val="phClr"/>
           </a:solidFill>
           <a:prstDash val="solid"/>
+          <a:miter/>
         </a:ln>
       </a:lnStyleLst>
       <a:effectStyleLst>
@@ -5932,18 +5951,21 @@
             </a:schemeClr>
           </a:solidFill>
           <a:prstDash val="solid"/>
+          <a:miter/>
         </a:ln>
         <a:ln w="25400" cap="flat" cmpd="sng" algn="ctr">
           <a:solidFill>
             <a:schemeClr val="phClr"/>
           </a:solidFill>
           <a:prstDash val="solid"/>
+          <a:miter/>
         </a:ln>
         <a:ln w="38100" cap="flat" cmpd="sng" algn="ctr">
           <a:solidFill>
             <a:schemeClr val="phClr"/>
           </a:solidFill>
           <a:prstDash val="solid"/>
+          <a:miter/>
         </a:ln>
       </a:lnStyleLst>
       <a:effectStyleLst>
